--- a/DESIGN/Project_WK.pptx
+++ b/DESIGN/Project_WK.pptx
@@ -4,8 +4,13 @@
   <p:sldMasterIdLst>
     <p:sldMasterId id="2147483648" r:id="rId1"/>
   </p:sldMasterIdLst>
+  <p:notesMasterIdLst>
+    <p:notesMasterId r:id="rId5"/>
+  </p:notesMasterIdLst>
   <p:sldIdLst>
     <p:sldId id="256" r:id="rId2"/>
+    <p:sldId id="257" r:id="rId3"/>
+    <p:sldId id="258" r:id="rId4"/>
   </p:sldIdLst>
   <p:sldSz cx="12192000" cy="6858000"/>
   <p:notesSz cx="6858000" cy="9144000"/>
@@ -104,7 +109,362 @@
       </a:defRPr>
     </a:lvl9pPr>
   </p:defaultTextStyle>
+  <p:extLst>
+    <p:ext uri="{EFAFB233-063F-42B5-8137-9DF3F51BA10A}">
+      <p15:sldGuideLst xmlns:p15="http://schemas.microsoft.com/office/powerpoint/2012/main"/>
+    </p:ext>
+  </p:extLst>
 </p:presentation>
+</file>
+
+<file path=ppt/notesMasters/notesMaster1.xml><?xml version="1.0" encoding="utf-8"?>
+<p:notesMaster xmlns:a="http://schemas.openxmlformats.org/drawingml/2006/main" xmlns:r="http://schemas.openxmlformats.org/officeDocument/2006/relationships" xmlns:p="http://schemas.openxmlformats.org/presentationml/2006/main">
+  <p:cSld>
+    <p:bg>
+      <p:bgRef idx="1001">
+        <a:schemeClr val="bg1"/>
+      </p:bgRef>
+    </p:bg>
+    <p:spTree>
+      <p:nvGrpSpPr>
+        <p:cNvPr id="1" name=""/>
+        <p:cNvGrpSpPr/>
+        <p:nvPr/>
+      </p:nvGrpSpPr>
+      <p:grpSpPr>
+        <a:xfrm>
+          <a:off x="0" y="0"/>
+          <a:ext cx="0" cy="0"/>
+          <a:chOff x="0" y="0"/>
+          <a:chExt cx="0" cy="0"/>
+        </a:xfrm>
+      </p:grpSpPr>
+      <p:sp>
+        <p:nvSpPr>
+          <p:cNvPr id="2" name="Header Placeholder 1"/>
+          <p:cNvSpPr>
+            <a:spLocks noGrp="1"/>
+          </p:cNvSpPr>
+          <p:nvPr>
+            <p:ph type="hdr" sz="quarter"/>
+          </p:nvPr>
+        </p:nvSpPr>
+        <p:spPr>
+          <a:xfrm>
+            <a:off x="0" y="0"/>
+            <a:ext cx="2971800" cy="458788"/>
+          </a:xfrm>
+          <a:prstGeom prst="rect">
+            <a:avLst/>
+          </a:prstGeom>
+        </p:spPr>
+        <p:txBody>
+          <a:bodyPr vert="horz" lIns="91440" tIns="45720" rIns="91440" bIns="45720" rtlCol="0"/>
+          <a:lstStyle>
+            <a:lvl1pPr algn="l">
+              <a:defRPr sz="1200"/>
+            </a:lvl1pPr>
+          </a:lstStyle>
+          <a:p>
+            <a:endParaRPr lang="th-TH"/>
+          </a:p>
+        </p:txBody>
+      </p:sp>
+      <p:sp>
+        <p:nvSpPr>
+          <p:cNvPr id="3" name="Date Placeholder 2"/>
+          <p:cNvSpPr>
+            <a:spLocks noGrp="1"/>
+          </p:cNvSpPr>
+          <p:nvPr>
+            <p:ph type="dt" idx="1"/>
+          </p:nvPr>
+        </p:nvSpPr>
+        <p:spPr>
+          <a:xfrm>
+            <a:off x="3884613" y="0"/>
+            <a:ext cx="2971800" cy="458788"/>
+          </a:xfrm>
+          <a:prstGeom prst="rect">
+            <a:avLst/>
+          </a:prstGeom>
+        </p:spPr>
+        <p:txBody>
+          <a:bodyPr vert="horz" lIns="91440" tIns="45720" rIns="91440" bIns="45720" rtlCol="0"/>
+          <a:lstStyle>
+            <a:lvl1pPr algn="r">
+              <a:defRPr sz="1200"/>
+            </a:lvl1pPr>
+          </a:lstStyle>
+          <a:p>
+            <a:fld id="{CE624101-E8A5-419F-BD2C-BDB6A5B8BA4D}" type="datetimeFigureOut">
+              <a:rPr lang="th-TH" smtClean="0"/>
+              <a:t>02/10/62</a:t>
+            </a:fld>
+            <a:endParaRPr lang="th-TH"/>
+          </a:p>
+        </p:txBody>
+      </p:sp>
+      <p:sp>
+        <p:nvSpPr>
+          <p:cNvPr id="4" name="Slide Image Placeholder 3"/>
+          <p:cNvSpPr>
+            <a:spLocks noGrp="1" noRot="1" noChangeAspect="1"/>
+          </p:cNvSpPr>
+          <p:nvPr>
+            <p:ph type="sldImg" idx="2"/>
+          </p:nvPr>
+        </p:nvSpPr>
+        <p:spPr>
+          <a:xfrm>
+            <a:off x="685800" y="1143000"/>
+            <a:ext cx="5486400" cy="3086100"/>
+          </a:xfrm>
+          <a:prstGeom prst="rect">
+            <a:avLst/>
+          </a:prstGeom>
+          <a:noFill/>
+          <a:ln w="12700">
+            <a:solidFill>
+              <a:prstClr val="black"/>
+            </a:solidFill>
+          </a:ln>
+        </p:spPr>
+        <p:txBody>
+          <a:bodyPr vert="horz" lIns="91440" tIns="45720" rIns="91440" bIns="45720" rtlCol="0" anchor="ctr"/>
+          <a:lstStyle/>
+          <a:p>
+            <a:endParaRPr lang="th-TH"/>
+          </a:p>
+        </p:txBody>
+      </p:sp>
+      <p:sp>
+        <p:nvSpPr>
+          <p:cNvPr id="5" name="Notes Placeholder 4"/>
+          <p:cNvSpPr>
+            <a:spLocks noGrp="1"/>
+          </p:cNvSpPr>
+          <p:nvPr>
+            <p:ph type="body" sz="quarter" idx="3"/>
+          </p:nvPr>
+        </p:nvSpPr>
+        <p:spPr>
+          <a:xfrm>
+            <a:off x="685800" y="4400550"/>
+            <a:ext cx="5486400" cy="3600450"/>
+          </a:xfrm>
+          <a:prstGeom prst="rect">
+            <a:avLst/>
+          </a:prstGeom>
+        </p:spPr>
+        <p:txBody>
+          <a:bodyPr vert="horz" lIns="91440" tIns="45720" rIns="91440" bIns="45720" rtlCol="0"/>
+          <a:lstStyle/>
+          <a:p>
+            <a:pPr lvl="0"/>
+            <a:r>
+              <a:rPr lang="en-US"/>
+              <a:t>Click to edit Master text styles</a:t>
+            </a:r>
+          </a:p>
+          <a:p>
+            <a:pPr lvl="1"/>
+            <a:r>
+              <a:rPr lang="en-US"/>
+              <a:t>Second level</a:t>
+            </a:r>
+          </a:p>
+          <a:p>
+            <a:pPr lvl="2"/>
+            <a:r>
+              <a:rPr lang="en-US"/>
+              <a:t>Third level</a:t>
+            </a:r>
+          </a:p>
+          <a:p>
+            <a:pPr lvl="3"/>
+            <a:r>
+              <a:rPr lang="en-US"/>
+              <a:t>Fourth level</a:t>
+            </a:r>
+          </a:p>
+          <a:p>
+            <a:pPr lvl="4"/>
+            <a:r>
+              <a:rPr lang="en-US"/>
+              <a:t>Fifth level</a:t>
+            </a:r>
+            <a:endParaRPr lang="th-TH"/>
+          </a:p>
+        </p:txBody>
+      </p:sp>
+      <p:sp>
+        <p:nvSpPr>
+          <p:cNvPr id="6" name="Footer Placeholder 5"/>
+          <p:cNvSpPr>
+            <a:spLocks noGrp="1"/>
+          </p:cNvSpPr>
+          <p:nvPr>
+            <p:ph type="ftr" sz="quarter" idx="4"/>
+          </p:nvPr>
+        </p:nvSpPr>
+        <p:spPr>
+          <a:xfrm>
+            <a:off x="0" y="8685213"/>
+            <a:ext cx="2971800" cy="458787"/>
+          </a:xfrm>
+          <a:prstGeom prst="rect">
+            <a:avLst/>
+          </a:prstGeom>
+        </p:spPr>
+        <p:txBody>
+          <a:bodyPr vert="horz" lIns="91440" tIns="45720" rIns="91440" bIns="45720" rtlCol="0" anchor="b"/>
+          <a:lstStyle>
+            <a:lvl1pPr algn="l">
+              <a:defRPr sz="1200"/>
+            </a:lvl1pPr>
+          </a:lstStyle>
+          <a:p>
+            <a:endParaRPr lang="th-TH"/>
+          </a:p>
+        </p:txBody>
+      </p:sp>
+      <p:sp>
+        <p:nvSpPr>
+          <p:cNvPr id="7" name="Slide Number Placeholder 6"/>
+          <p:cNvSpPr>
+            <a:spLocks noGrp="1"/>
+          </p:cNvSpPr>
+          <p:nvPr>
+            <p:ph type="sldNum" sz="quarter" idx="5"/>
+          </p:nvPr>
+        </p:nvSpPr>
+        <p:spPr>
+          <a:xfrm>
+            <a:off x="3884613" y="8685213"/>
+            <a:ext cx="2971800" cy="458787"/>
+          </a:xfrm>
+          <a:prstGeom prst="rect">
+            <a:avLst/>
+          </a:prstGeom>
+        </p:spPr>
+        <p:txBody>
+          <a:bodyPr vert="horz" lIns="91440" tIns="45720" rIns="91440" bIns="45720" rtlCol="0" anchor="b"/>
+          <a:lstStyle>
+            <a:lvl1pPr algn="r">
+              <a:defRPr sz="1200"/>
+            </a:lvl1pPr>
+          </a:lstStyle>
+          <a:p>
+            <a:fld id="{3D6E6420-0C51-496D-8D0D-4733B2DAAA2B}" type="slidenum">
+              <a:rPr lang="th-TH" smtClean="0"/>
+              <a:t>‹#›</a:t>
+            </a:fld>
+            <a:endParaRPr lang="th-TH"/>
+          </a:p>
+        </p:txBody>
+      </p:sp>
+    </p:spTree>
+    <p:extLst>
+      <p:ext uri="{BB962C8B-B14F-4D97-AF65-F5344CB8AC3E}">
+        <p14:creationId xmlns:p14="http://schemas.microsoft.com/office/powerpoint/2010/main" val="1660497088"/>
+      </p:ext>
+    </p:extLst>
+  </p:cSld>
+  <p:clrMap bg1="lt1" tx1="dk1" bg2="lt2" tx2="dk2" accent1="accent1" accent2="accent2" accent3="accent3" accent4="accent4" accent5="accent5" accent6="accent6" hlink="hlink" folHlink="folHlink"/>
+  <p:notesStyle>
+    <a:lvl1pPr marL="0" algn="l" defTabSz="914400" rtl="0" eaLnBrk="1" latinLnBrk="0" hangingPunct="1">
+      <a:defRPr sz="1800" kern="1200">
+        <a:solidFill>
+          <a:schemeClr val="tx1"/>
+        </a:solidFill>
+        <a:latin typeface="+mn-lt"/>
+        <a:ea typeface="+mn-ea"/>
+        <a:cs typeface="+mn-cs"/>
+      </a:defRPr>
+    </a:lvl1pPr>
+    <a:lvl2pPr marL="457200" algn="l" defTabSz="914400" rtl="0" eaLnBrk="1" latinLnBrk="0" hangingPunct="1">
+      <a:defRPr sz="1800" kern="1200">
+        <a:solidFill>
+          <a:schemeClr val="tx1"/>
+        </a:solidFill>
+        <a:latin typeface="+mn-lt"/>
+        <a:ea typeface="+mn-ea"/>
+        <a:cs typeface="+mn-cs"/>
+      </a:defRPr>
+    </a:lvl2pPr>
+    <a:lvl3pPr marL="914400" algn="l" defTabSz="914400" rtl="0" eaLnBrk="1" latinLnBrk="0" hangingPunct="1">
+      <a:defRPr sz="1800" kern="1200">
+        <a:solidFill>
+          <a:schemeClr val="tx1"/>
+        </a:solidFill>
+        <a:latin typeface="+mn-lt"/>
+        <a:ea typeface="+mn-ea"/>
+        <a:cs typeface="+mn-cs"/>
+      </a:defRPr>
+    </a:lvl3pPr>
+    <a:lvl4pPr marL="1371600" algn="l" defTabSz="914400" rtl="0" eaLnBrk="1" latinLnBrk="0" hangingPunct="1">
+      <a:defRPr sz="1800" kern="1200">
+        <a:solidFill>
+          <a:schemeClr val="tx1"/>
+        </a:solidFill>
+        <a:latin typeface="+mn-lt"/>
+        <a:ea typeface="+mn-ea"/>
+        <a:cs typeface="+mn-cs"/>
+      </a:defRPr>
+    </a:lvl4pPr>
+    <a:lvl5pPr marL="1828800" algn="l" defTabSz="914400" rtl="0" eaLnBrk="1" latinLnBrk="0" hangingPunct="1">
+      <a:defRPr sz="1800" kern="1200">
+        <a:solidFill>
+          <a:schemeClr val="tx1"/>
+        </a:solidFill>
+        <a:latin typeface="+mn-lt"/>
+        <a:ea typeface="+mn-ea"/>
+        <a:cs typeface="+mn-cs"/>
+      </a:defRPr>
+    </a:lvl5pPr>
+    <a:lvl6pPr marL="2286000" algn="l" defTabSz="914400" rtl="0" eaLnBrk="1" latinLnBrk="0" hangingPunct="1">
+      <a:defRPr sz="1800" kern="1200">
+        <a:solidFill>
+          <a:schemeClr val="tx1"/>
+        </a:solidFill>
+        <a:latin typeface="+mn-lt"/>
+        <a:ea typeface="+mn-ea"/>
+        <a:cs typeface="+mn-cs"/>
+      </a:defRPr>
+    </a:lvl6pPr>
+    <a:lvl7pPr marL="2743200" algn="l" defTabSz="914400" rtl="0" eaLnBrk="1" latinLnBrk="0" hangingPunct="1">
+      <a:defRPr sz="1800" kern="1200">
+        <a:solidFill>
+          <a:schemeClr val="tx1"/>
+        </a:solidFill>
+        <a:latin typeface="+mn-lt"/>
+        <a:ea typeface="+mn-ea"/>
+        <a:cs typeface="+mn-cs"/>
+      </a:defRPr>
+    </a:lvl7pPr>
+    <a:lvl8pPr marL="3200400" algn="l" defTabSz="914400" rtl="0" eaLnBrk="1" latinLnBrk="0" hangingPunct="1">
+      <a:defRPr sz="1800" kern="1200">
+        <a:solidFill>
+          <a:schemeClr val="tx1"/>
+        </a:solidFill>
+        <a:latin typeface="+mn-lt"/>
+        <a:ea typeface="+mn-ea"/>
+        <a:cs typeface="+mn-cs"/>
+      </a:defRPr>
+    </a:lvl8pPr>
+    <a:lvl9pPr marL="3657600" algn="l" defTabSz="914400" rtl="0" eaLnBrk="1" latinLnBrk="0" hangingPunct="1">
+      <a:defRPr sz="1800" kern="1200">
+        <a:solidFill>
+          <a:schemeClr val="tx1"/>
+        </a:solidFill>
+        <a:latin typeface="+mn-lt"/>
+        <a:ea typeface="+mn-ea"/>
+        <a:cs typeface="+mn-cs"/>
+      </a:defRPr>
+    </a:lvl9pPr>
+  </p:notesStyle>
+</p:notesMaster>
 </file>
 
 <file path=ppt/slideLayouts/slideLayout1.xml><?xml version="1.0" encoding="utf-8"?>
@@ -254,9 +614,9 @@
           <a:bodyPr/>
           <a:lstStyle/>
           <a:p>
-            <a:fld id="{C09F127D-39BC-4BCE-8BF0-CFAECBA492C9}" type="datetimeFigureOut">
+            <a:fld id="{050F1959-06CF-420C-8BB1-903B3637D8DC}" type="datetime1">
               <a:rPr lang="th-TH" smtClean="0"/>
-              <a:t>01/10/62</a:t>
+              <a:t>02/10/62</a:t>
             </a:fld>
             <a:endParaRPr lang="th-TH"/>
           </a:p>
@@ -454,9 +814,9 @@
           <a:bodyPr/>
           <a:lstStyle/>
           <a:p>
-            <a:fld id="{C09F127D-39BC-4BCE-8BF0-CFAECBA492C9}" type="datetimeFigureOut">
+            <a:fld id="{718A9933-0827-4A52-97AF-91E972F00705}" type="datetime1">
               <a:rPr lang="th-TH" smtClean="0"/>
-              <a:t>01/10/62</a:t>
+              <a:t>02/10/62</a:t>
             </a:fld>
             <a:endParaRPr lang="th-TH"/>
           </a:p>
@@ -664,9 +1024,9 @@
           <a:bodyPr/>
           <a:lstStyle/>
           <a:p>
-            <a:fld id="{C09F127D-39BC-4BCE-8BF0-CFAECBA492C9}" type="datetimeFigureOut">
+            <a:fld id="{709CA67D-8880-4937-8B12-73EA01C55C67}" type="datetime1">
               <a:rPr lang="th-TH" smtClean="0"/>
-              <a:t>01/10/62</a:t>
+              <a:t>02/10/62</a:t>
             </a:fld>
             <a:endParaRPr lang="th-TH"/>
           </a:p>
@@ -864,9 +1224,9 @@
           <a:bodyPr/>
           <a:lstStyle/>
           <a:p>
-            <a:fld id="{C09F127D-39BC-4BCE-8BF0-CFAECBA492C9}" type="datetimeFigureOut">
+            <a:fld id="{630A526F-290E-4C13-958F-2634FA300192}" type="datetime1">
               <a:rPr lang="th-TH" smtClean="0"/>
-              <a:t>01/10/62</a:t>
+              <a:t>02/10/62</a:t>
             </a:fld>
             <a:endParaRPr lang="th-TH"/>
           </a:p>
@@ -1140,9 +1500,9 @@
           <a:bodyPr/>
           <a:lstStyle/>
           <a:p>
-            <a:fld id="{C09F127D-39BC-4BCE-8BF0-CFAECBA492C9}" type="datetimeFigureOut">
+            <a:fld id="{409DCA61-3A12-4C92-A90B-F3C051906AB2}" type="datetime1">
               <a:rPr lang="th-TH" smtClean="0"/>
-              <a:t>01/10/62</a:t>
+              <a:t>02/10/62</a:t>
             </a:fld>
             <a:endParaRPr lang="th-TH"/>
           </a:p>
@@ -1408,9 +1768,9 @@
           <a:bodyPr/>
           <a:lstStyle/>
           <a:p>
-            <a:fld id="{C09F127D-39BC-4BCE-8BF0-CFAECBA492C9}" type="datetimeFigureOut">
+            <a:fld id="{564F3F9F-132B-4BAF-97C9-67BADE6F3146}" type="datetime1">
               <a:rPr lang="th-TH" smtClean="0"/>
-              <a:t>01/10/62</a:t>
+              <a:t>02/10/62</a:t>
             </a:fld>
             <a:endParaRPr lang="th-TH"/>
           </a:p>
@@ -1823,9 +2183,9 @@
           <a:bodyPr/>
           <a:lstStyle/>
           <a:p>
-            <a:fld id="{C09F127D-39BC-4BCE-8BF0-CFAECBA492C9}" type="datetimeFigureOut">
+            <a:fld id="{5195B103-D9BA-4F1A-AD8A-F52D224D99AD}" type="datetime1">
               <a:rPr lang="th-TH" smtClean="0"/>
-              <a:t>01/10/62</a:t>
+              <a:t>02/10/62</a:t>
             </a:fld>
             <a:endParaRPr lang="th-TH"/>
           </a:p>
@@ -1965,9 +2325,9 @@
           <a:bodyPr/>
           <a:lstStyle/>
           <a:p>
-            <a:fld id="{C09F127D-39BC-4BCE-8BF0-CFAECBA492C9}" type="datetimeFigureOut">
+            <a:fld id="{5AADFF43-36A0-41EF-BC0F-5D508C7799E7}" type="datetime1">
               <a:rPr lang="th-TH" smtClean="0"/>
-              <a:t>01/10/62</a:t>
+              <a:t>02/10/62</a:t>
             </a:fld>
             <a:endParaRPr lang="th-TH"/>
           </a:p>
@@ -2078,9 +2438,9 @@
           <a:bodyPr/>
           <a:lstStyle/>
           <a:p>
-            <a:fld id="{C09F127D-39BC-4BCE-8BF0-CFAECBA492C9}" type="datetimeFigureOut">
+            <a:fld id="{75CB984D-D72B-47A2-8A84-4D6A301731F0}" type="datetime1">
               <a:rPr lang="th-TH" smtClean="0"/>
-              <a:t>01/10/62</a:t>
+              <a:t>02/10/62</a:t>
             </a:fld>
             <a:endParaRPr lang="th-TH"/>
           </a:p>
@@ -2391,9 +2751,9 @@
           <a:bodyPr/>
           <a:lstStyle/>
           <a:p>
-            <a:fld id="{C09F127D-39BC-4BCE-8BF0-CFAECBA492C9}" type="datetimeFigureOut">
+            <a:fld id="{04FCA47C-2CAA-4161-B486-E1E83F42A7ED}" type="datetime1">
               <a:rPr lang="th-TH" smtClean="0"/>
-              <a:t>01/10/62</a:t>
+              <a:t>02/10/62</a:t>
             </a:fld>
             <a:endParaRPr lang="th-TH"/>
           </a:p>
@@ -2680,9 +3040,9 @@
           <a:bodyPr/>
           <a:lstStyle/>
           <a:p>
-            <a:fld id="{C09F127D-39BC-4BCE-8BF0-CFAECBA492C9}" type="datetimeFigureOut">
+            <a:fld id="{64EAF1C2-7293-45B9-A2CC-A16DF148B16A}" type="datetime1">
               <a:rPr lang="th-TH" smtClean="0"/>
-              <a:t>01/10/62</a:t>
+              <a:t>02/10/62</a:t>
             </a:fld>
             <a:endParaRPr lang="th-TH"/>
           </a:p>
@@ -2923,9 +3283,9 @@
             </a:lvl1pPr>
           </a:lstStyle>
           <a:p>
-            <a:fld id="{C09F127D-39BC-4BCE-8BF0-CFAECBA492C9}" type="datetimeFigureOut">
+            <a:fld id="{EC328AD5-BD7D-4DCC-9D60-16AFA1DA4080}" type="datetime1">
               <a:rPr lang="th-TH" smtClean="0"/>
-              <a:t>01/10/62</a:t>
+              <a:t>02/10/62</a:t>
             </a:fld>
             <a:endParaRPr lang="th-TH"/>
           </a:p>
@@ -3042,6 +3402,7 @@
     <p:sldLayoutId id="2147483658" r:id="rId10"/>
     <p:sldLayoutId id="2147483659" r:id="rId11"/>
   </p:sldLayoutIdLst>
+  <p:hf hdr="0" ftr="0" dt="0"/>
   <p:txStyles>
     <p:titleStyle>
       <a:lvl1pPr algn="l" defTabSz="914400" rtl="0" eaLnBrk="1" latinLnBrk="0" hangingPunct="1">
@@ -3403,10 +3764,52 @@
       </p:sp>
       <p:sp>
         <p:nvSpPr>
-          <p:cNvPr id="4" name="TextBox 3">
-            <a:extLst>
-              <a:ext uri="{FF2B5EF4-FFF2-40B4-BE49-F238E27FC236}">
-                <a16:creationId xmlns:a16="http://schemas.microsoft.com/office/drawing/2014/main" id="{EACE8DF6-4D6C-444D-9EAF-32D6CF42C4E9}"/>
+          <p:cNvPr id="3" name="Slide Number Placeholder 2">
+            <a:extLst>
+              <a:ext uri="{FF2B5EF4-FFF2-40B4-BE49-F238E27FC236}">
+                <a16:creationId xmlns:a16="http://schemas.microsoft.com/office/drawing/2014/main" id="{220805BD-87ED-4BE2-AE30-2321773E66C5}"/>
+              </a:ext>
+            </a:extLst>
+          </p:cNvPr>
+          <p:cNvSpPr>
+            <a:spLocks noGrp="1"/>
+          </p:cNvSpPr>
+          <p:nvPr>
+            <p:ph type="sldNum" sz="quarter" idx="12"/>
+          </p:nvPr>
+        </p:nvSpPr>
+        <p:spPr>
+          <a:xfrm>
+            <a:off x="11689492" y="6465093"/>
+            <a:ext cx="397475" cy="365125"/>
+          </a:xfrm>
+        </p:spPr>
+        <p:txBody>
+          <a:bodyPr/>
+          <a:lstStyle/>
+          <a:p>
+            <a:fld id="{83817525-CF77-4F23-9F66-5217B8CC45A0}" type="slidenum">
+              <a:rPr lang="th-TH" sz="2000" b="1" smtClean="0">
+                <a:solidFill>
+                  <a:schemeClr val="bg1"/>
+                </a:solidFill>
+              </a:rPr>
+              <a:t>1</a:t>
+            </a:fld>
+            <a:endParaRPr lang="th-TH" sz="2000" b="1" dirty="0">
+              <a:solidFill>
+                <a:schemeClr val="bg1"/>
+              </a:solidFill>
+            </a:endParaRPr>
+          </a:p>
+        </p:txBody>
+      </p:sp>
+      <p:sp>
+        <p:nvSpPr>
+          <p:cNvPr id="9" name="TextBox 8">
+            <a:extLst>
+              <a:ext uri="{FF2B5EF4-FFF2-40B4-BE49-F238E27FC236}">
+                <a16:creationId xmlns:a16="http://schemas.microsoft.com/office/drawing/2014/main" id="{439D3904-8D09-4D9C-8329-0B81406541F6}"/>
               </a:ext>
             </a:extLst>
           </p:cNvPr>
@@ -3415,14 +3818,35 @@
         </p:nvSpPr>
         <p:spPr>
           <a:xfrm>
-            <a:off x="5281354" y="175847"/>
-            <a:ext cx="1629292" cy="523220"/>
+            <a:off x="3880022" y="122516"/>
+            <a:ext cx="5777864" cy="5262979"/>
           </a:xfrm>
           <a:prstGeom prst="rect">
             <a:avLst/>
           </a:prstGeom>
-          <a:noFill/>
+          <a:solidFill>
+            <a:schemeClr val="accent6">
+              <a:alpha val="50000"/>
+            </a:schemeClr>
+          </a:solidFill>
+          <a:ln>
+            <a:noFill/>
+          </a:ln>
         </p:spPr>
+        <p:style>
+          <a:lnRef idx="0">
+            <a:scrgbClr r="0" g="0" b="0"/>
+          </a:lnRef>
+          <a:fillRef idx="0">
+            <a:scrgbClr r="0" g="0" b="0"/>
+          </a:fillRef>
+          <a:effectRef idx="0">
+            <a:scrgbClr r="0" g="0" b="0"/>
+          </a:effectRef>
+          <a:fontRef idx="minor">
+            <a:schemeClr val="lt1"/>
+          </a:fontRef>
+        </p:style>
         <p:txBody>
           <a:bodyPr wrap="none" rtlCol="0">
             <a:spAutoFit/>
@@ -3430,19 +3854,232 @@
           <a:lstStyle/>
           <a:p>
             <a:r>
+              <a:rPr lang="th-TH" dirty="0"/>
+              <a:t>โฟลเดอร์ </a:t>
+            </a:r>
+            <a:r>
+              <a:rPr lang="en-US" dirty="0" err="1"/>
+              <a:t>App_Data</a:t>
+            </a:r>
+            <a:r>
               <a:rPr lang="en-US" dirty="0"/>
-              <a:t>Data Base</a:t>
-            </a:r>
+              <a:t> </a:t>
+            </a:r>
+            <a:r>
+              <a:rPr lang="th-TH" dirty="0"/>
+              <a:t>เก็บไฟล์ฐานข้อมูลประเภทข้อมูล</a:t>
+            </a:r>
+          </a:p>
+          <a:p>
+            <a:r>
+              <a:rPr lang="th-TH" dirty="0"/>
+              <a:t>โฟลเดอร์ </a:t>
+            </a:r>
+            <a:r>
+              <a:rPr lang="en-US" dirty="0"/>
+              <a:t>Content </a:t>
+            </a:r>
+            <a:r>
+              <a:rPr lang="th-TH" dirty="0"/>
+              <a:t>เก็บไฟล์ประเภท </a:t>
+            </a:r>
+            <a:r>
+              <a:rPr lang="en-US" dirty="0"/>
+              <a:t>.CSS</a:t>
+            </a:r>
+          </a:p>
+          <a:p>
+            <a:r>
+              <a:rPr lang="th-TH" dirty="0"/>
+              <a:t>โฟลเดอร์ </a:t>
+            </a:r>
+            <a:r>
+              <a:rPr lang="en-US" dirty="0"/>
+              <a:t>Fonts </a:t>
+            </a:r>
+            <a:r>
+              <a:rPr lang="th-TH" dirty="0"/>
+              <a:t>เก็บไฟล์ประเภท </a:t>
+            </a:r>
+            <a:r>
+              <a:rPr lang="en-US" dirty="0"/>
+              <a:t>font</a:t>
+            </a:r>
+          </a:p>
+          <a:p>
+            <a:r>
+              <a:rPr lang="th-TH" dirty="0"/>
+              <a:t>โฟลเดอร์ </a:t>
+            </a:r>
+            <a:r>
+              <a:rPr lang="en-US" dirty="0"/>
+              <a:t>Scripts </a:t>
+            </a:r>
+            <a:r>
+              <a:rPr lang="th-TH" dirty="0"/>
+              <a:t>เก็บไฟล์ประเภท </a:t>
+            </a:r>
+            <a:r>
+              <a:rPr lang="en-US" dirty="0"/>
+              <a:t>.JS</a:t>
+            </a:r>
+          </a:p>
+          <a:p>
+            <a:r>
+              <a:rPr lang="th-TH" dirty="0"/>
+              <a:t>ไฟล์ </a:t>
+            </a:r>
+            <a:r>
+              <a:rPr lang="en-US" dirty="0"/>
+              <a:t>.Master </a:t>
+            </a:r>
+            <a:r>
+              <a:rPr lang="th-TH" dirty="0"/>
+              <a:t>เป็นไฟล์เทมเพลตของระบบ</a:t>
+            </a:r>
+          </a:p>
+          <a:p>
+            <a:r>
+              <a:rPr lang="th-TH" dirty="0"/>
+              <a:t>ไฟล์ </a:t>
+            </a:r>
+            <a:r>
+              <a:rPr lang="en-US" dirty="0" err="1"/>
+              <a:t>web.config</a:t>
+            </a:r>
+            <a:r>
+              <a:rPr lang="en-US" dirty="0"/>
+              <a:t> </a:t>
+            </a:r>
+            <a:r>
+              <a:rPr lang="th-TH" dirty="0"/>
+              <a:t>เก็บ </a:t>
+            </a:r>
+            <a:r>
+              <a:rPr lang="en-US" dirty="0"/>
+              <a:t>config </a:t>
+            </a:r>
+            <a:r>
+              <a:rPr lang="th-TH" dirty="0"/>
+              <a:t>ของระบบ</a:t>
+            </a:r>
+          </a:p>
+          <a:p>
+            <a:r>
+              <a:rPr lang="th-TH" dirty="0"/>
+              <a:t>ไฟล์ </a:t>
+            </a:r>
+            <a:r>
+              <a:rPr lang="en-US" dirty="0" err="1"/>
+              <a:t>Base.cs</a:t>
+            </a:r>
+            <a:r>
+              <a:rPr lang="en-US" dirty="0"/>
+              <a:t> </a:t>
+            </a:r>
+            <a:r>
+              <a:rPr lang="th-TH" dirty="0"/>
+              <a:t>ใช้ในการเชื่อมต่อฐานข้อมูล</a:t>
+            </a:r>
+          </a:p>
+          <a:p>
             <a:endParaRPr lang="th-TH" dirty="0"/>
+          </a:p>
+          <a:p>
+            <a:r>
+              <a:rPr lang="en-US" b="1" u="sng" dirty="0">
+                <a:solidFill>
+                  <a:schemeClr val="accent2">
+                    <a:lumMod val="75000"/>
+                  </a:schemeClr>
+                </a:solidFill>
+              </a:rPr>
+              <a:t>Three Tier Layer</a:t>
+            </a:r>
+            <a:endParaRPr lang="th-TH" b="1" u="sng" dirty="0">
+              <a:solidFill>
+                <a:schemeClr val="accent2">
+                  <a:lumMod val="75000"/>
+                </a:schemeClr>
+              </a:solidFill>
+            </a:endParaRPr>
+          </a:p>
+          <a:p>
+            <a:r>
+              <a:rPr lang="en-US" dirty="0"/>
+              <a:t>Business </a:t>
+            </a:r>
+            <a:r>
+              <a:rPr lang="th-TH" dirty="0"/>
+              <a:t>เขียน </a:t>
+            </a:r>
+            <a:r>
+              <a:rPr lang="en-US" dirty="0"/>
+              <a:t>algorithm </a:t>
+            </a:r>
+            <a:r>
+              <a:rPr lang="th-TH" dirty="0"/>
+              <a:t>ให้ตรงตามเงื่อนไข</a:t>
+            </a:r>
+            <a:r>
+              <a:rPr lang="en-US" dirty="0"/>
+              <a:t> </a:t>
+            </a:r>
+          </a:p>
+          <a:p>
+            <a:r>
+              <a:rPr lang="th-TH" dirty="0"/>
+              <a:t>โฟลเดอร์</a:t>
+            </a:r>
+            <a:r>
+              <a:rPr lang="en-US" dirty="0"/>
+              <a:t> </a:t>
+            </a:r>
+            <a:r>
+              <a:rPr lang="en-US" dirty="0" err="1"/>
+              <a:t>DataAccess</a:t>
+            </a:r>
+            <a:r>
+              <a:rPr lang="en-US" dirty="0"/>
+              <a:t> </a:t>
+            </a:r>
+            <a:r>
+              <a:rPr lang="th-TH" dirty="0"/>
+              <a:t>เขียน </a:t>
+            </a:r>
+            <a:r>
+              <a:rPr lang="en-US" dirty="0"/>
+              <a:t>CRUD </a:t>
+            </a:r>
+            <a:r>
+              <a:rPr lang="th-TH"/>
+              <a:t>ประมวลผล</a:t>
+            </a:r>
+            <a:endParaRPr lang="en-US" dirty="0"/>
+          </a:p>
+          <a:p>
+            <a:r>
+              <a:rPr lang="th-TH" dirty="0"/>
+              <a:t>โฟลเดอร์</a:t>
+            </a:r>
+            <a:r>
+              <a:rPr lang="en-US" dirty="0"/>
+              <a:t> Data </a:t>
+            </a:r>
+            <a:r>
+              <a:rPr lang="th-TH" dirty="0"/>
+              <a:t>กลุ่มข้อมูล ติดต่อฐานข้อมูล</a:t>
+            </a:r>
+            <a:endParaRPr lang="en-US" dirty="0"/>
           </a:p>
         </p:txBody>
       </p:sp>
       <p:pic>
         <p:nvPicPr>
-          <p:cNvPr id="5" name="Picture 4">
-            <a:extLst>
-              <a:ext uri="{FF2B5EF4-FFF2-40B4-BE49-F238E27FC236}">
-                <a16:creationId xmlns:a16="http://schemas.microsoft.com/office/drawing/2014/main" id="{6CC85483-8522-4953-99D9-A5248135BBC8}"/>
+          <p:cNvPr id="10" name="Picture 9">
+            <a:extLst>
+              <a:ext uri="{FF2B5EF4-FFF2-40B4-BE49-F238E27FC236}">
+                <a16:creationId xmlns:a16="http://schemas.microsoft.com/office/drawing/2014/main" id="{A2EFE992-3316-4B6D-BD78-2581466366E8}"/>
               </a:ext>
             </a:extLst>
           </p:cNvPr>
@@ -3459,25 +4096,244 @@
         </p:blipFill>
         <p:spPr>
           <a:xfrm>
-            <a:off x="522776" y="1236763"/>
-            <a:ext cx="3286125" cy="1962150"/>
+            <a:off x="325780" y="122516"/>
+            <a:ext cx="3109399" cy="6119658"/>
+          </a:xfrm>
+          <a:prstGeom prst="rect">
+            <a:avLst/>
+          </a:prstGeom>
+        </p:spPr>
+      </p:pic>
+    </p:spTree>
+    <p:extLst>
+      <p:ext uri="{BB962C8B-B14F-4D97-AF65-F5344CB8AC3E}">
+        <p14:creationId xmlns:p14="http://schemas.microsoft.com/office/powerpoint/2010/main" val="441383115"/>
+      </p:ext>
+    </p:extLst>
+  </p:cSld>
+  <p:clrMapOvr>
+    <a:masterClrMapping/>
+  </p:clrMapOvr>
+</p:sld>
+</file>
+
+<file path=ppt/slides/slide2.xml><?xml version="1.0" encoding="utf-8"?>
+<p:sld xmlns:a="http://schemas.openxmlformats.org/drawingml/2006/main" xmlns:r="http://schemas.openxmlformats.org/officeDocument/2006/relationships" xmlns:p="http://schemas.openxmlformats.org/presentationml/2006/main">
+  <p:cSld>
+    <p:spTree>
+      <p:nvGrpSpPr>
+        <p:cNvPr id="1" name=""/>
+        <p:cNvGrpSpPr/>
+        <p:nvPr/>
+      </p:nvGrpSpPr>
+      <p:grpSpPr>
+        <a:xfrm>
+          <a:off x="0" y="0"/>
+          <a:ext cx="0" cy="0"/>
+          <a:chOff x="0" y="0"/>
+          <a:chExt cx="0" cy="0"/>
+        </a:xfrm>
+      </p:grpSpPr>
+      <p:sp>
+        <p:nvSpPr>
+          <p:cNvPr id="2" name="Title 1">
+            <a:extLst>
+              <a:ext uri="{FF2B5EF4-FFF2-40B4-BE49-F238E27FC236}">
+                <a16:creationId xmlns:a16="http://schemas.microsoft.com/office/drawing/2014/main" id="{F3C1B1EA-FC7E-4911-9A34-AE2367A4676C}"/>
+              </a:ext>
+            </a:extLst>
+          </p:cNvPr>
+          <p:cNvSpPr>
+            <a:spLocks noGrp="1"/>
+          </p:cNvSpPr>
+          <p:nvPr>
+            <p:ph type="ctrTitle"/>
+          </p:nvPr>
+        </p:nvSpPr>
+        <p:spPr>
+          <a:xfrm>
+            <a:off x="0" y="6437313"/>
+            <a:ext cx="12192000" cy="420687"/>
+          </a:xfrm>
+          <a:solidFill>
+            <a:schemeClr val="accent5">
+              <a:alpha val="50000"/>
+            </a:schemeClr>
+          </a:solidFill>
+          <a:ln>
+            <a:noFill/>
+          </a:ln>
+        </p:spPr>
+        <p:style>
+          <a:lnRef idx="0">
+            <a:scrgbClr r="0" g="0" b="0"/>
+          </a:lnRef>
+          <a:fillRef idx="0">
+            <a:scrgbClr r="0" g="0" b="0"/>
+          </a:fillRef>
+          <a:effectRef idx="0">
+            <a:scrgbClr r="0" g="0" b="0"/>
+          </a:effectRef>
+          <a:fontRef idx="minor">
+            <a:schemeClr val="lt1"/>
+          </a:fontRef>
+        </p:style>
+        <p:txBody>
+          <a:bodyPr>
+            <a:normAutofit/>
+          </a:bodyPr>
+          <a:lstStyle/>
+          <a:p>
+            <a:pPr algn="l"/>
+            <a:r>
+              <a:rPr lang="en-US" sz="2000" b="1" dirty="0" err="1"/>
+              <a:t>Project_WK</a:t>
+            </a:r>
+            <a:endParaRPr lang="th-TH" sz="2000" b="1" dirty="0"/>
+          </a:p>
+        </p:txBody>
+      </p:sp>
+      <p:sp>
+        <p:nvSpPr>
+          <p:cNvPr id="4" name="TextBox 3">
+            <a:extLst>
+              <a:ext uri="{FF2B5EF4-FFF2-40B4-BE49-F238E27FC236}">
+                <a16:creationId xmlns:a16="http://schemas.microsoft.com/office/drawing/2014/main" id="{EACE8DF6-4D6C-444D-9EAF-32D6CF42C4E9}"/>
+              </a:ext>
+            </a:extLst>
+          </p:cNvPr>
+          <p:cNvSpPr txBox="1"/>
+          <p:nvPr/>
+        </p:nvSpPr>
+        <p:spPr>
+          <a:xfrm>
+            <a:off x="0" y="0"/>
+            <a:ext cx="12192000" cy="523220"/>
+          </a:xfrm>
+          <a:prstGeom prst="rect">
+            <a:avLst/>
+          </a:prstGeom>
+          <a:solidFill>
+            <a:schemeClr val="accent3">
+              <a:alpha val="50000"/>
+            </a:schemeClr>
+          </a:solidFill>
+          <a:ln>
+            <a:noFill/>
+          </a:ln>
+        </p:spPr>
+        <p:style>
+          <a:lnRef idx="0">
+            <a:scrgbClr r="0" g="0" b="0"/>
+          </a:lnRef>
+          <a:fillRef idx="0">
+            <a:scrgbClr r="0" g="0" b="0"/>
+          </a:fillRef>
+          <a:effectRef idx="0">
+            <a:scrgbClr r="0" g="0" b="0"/>
+          </a:effectRef>
+          <a:fontRef idx="minor">
+            <a:schemeClr val="lt1"/>
+          </a:fontRef>
+        </p:style>
+        <p:txBody>
+          <a:bodyPr wrap="square" rtlCol="0">
+            <a:spAutoFit/>
+          </a:bodyPr>
+          <a:lstStyle/>
+          <a:p>
+            <a:pPr algn="ctr"/>
+            <a:r>
+              <a:rPr lang="en-US" dirty="0"/>
+              <a:t>Data Base: DB_WORKFLOW</a:t>
+            </a:r>
+            <a:endParaRPr lang="th-TH" dirty="0"/>
+          </a:p>
+        </p:txBody>
+      </p:sp>
+      <p:pic>
+        <p:nvPicPr>
+          <p:cNvPr id="6" name="Picture 5">
+            <a:extLst>
+              <a:ext uri="{FF2B5EF4-FFF2-40B4-BE49-F238E27FC236}">
+                <a16:creationId xmlns:a16="http://schemas.microsoft.com/office/drawing/2014/main" id="{C3D6FBDE-C0C3-4E49-B9C5-835672D6A004}"/>
+              </a:ext>
+            </a:extLst>
+          </p:cNvPr>
+          <p:cNvPicPr>
+            <a:picLocks noChangeAspect="1"/>
+          </p:cNvPicPr>
+          <p:nvPr/>
+        </p:nvPicPr>
+        <p:blipFill>
+          <a:blip r:embed="rId2"/>
+          <a:stretch>
+            <a:fillRect/>
+          </a:stretch>
+        </p:blipFill>
+        <p:spPr>
+          <a:xfrm>
+            <a:off x="3673176" y="801772"/>
+            <a:ext cx="2941808" cy="919315"/>
           </a:xfrm>
           <a:prstGeom prst="rect">
             <a:avLst/>
           </a:prstGeom>
           <a:ln>
             <a:solidFill>
-              <a:schemeClr val="tx1"/>
+              <a:schemeClr val="accent1"/>
             </a:solidFill>
           </a:ln>
         </p:spPr>
       </p:pic>
+      <p:sp>
+        <p:nvSpPr>
+          <p:cNvPr id="3" name="Slide Number Placeholder 2">
+            <a:extLst>
+              <a:ext uri="{FF2B5EF4-FFF2-40B4-BE49-F238E27FC236}">
+                <a16:creationId xmlns:a16="http://schemas.microsoft.com/office/drawing/2014/main" id="{220805BD-87ED-4BE2-AE30-2321773E66C5}"/>
+              </a:ext>
+            </a:extLst>
+          </p:cNvPr>
+          <p:cNvSpPr>
+            <a:spLocks noGrp="1"/>
+          </p:cNvSpPr>
+          <p:nvPr>
+            <p:ph type="sldNum" sz="quarter" idx="12"/>
+          </p:nvPr>
+        </p:nvSpPr>
+        <p:spPr>
+          <a:xfrm>
+            <a:off x="11689492" y="6465093"/>
+            <a:ext cx="397475" cy="365125"/>
+          </a:xfrm>
+        </p:spPr>
+        <p:txBody>
+          <a:bodyPr/>
+          <a:lstStyle/>
+          <a:p>
+            <a:fld id="{83817525-CF77-4F23-9F66-5217B8CC45A0}" type="slidenum">
+              <a:rPr lang="th-TH" sz="2000" b="1" smtClean="0">
+                <a:solidFill>
+                  <a:schemeClr val="bg1"/>
+                </a:solidFill>
+              </a:rPr>
+              <a:t>2</a:t>
+            </a:fld>
+            <a:endParaRPr lang="th-TH" sz="2000" b="1" dirty="0">
+              <a:solidFill>
+                <a:schemeClr val="bg1"/>
+              </a:solidFill>
+            </a:endParaRPr>
+          </a:p>
+        </p:txBody>
+      </p:sp>
       <p:pic>
         <p:nvPicPr>
-          <p:cNvPr id="6" name="Picture 5">
-            <a:extLst>
-              <a:ext uri="{FF2B5EF4-FFF2-40B4-BE49-F238E27FC236}">
-                <a16:creationId xmlns:a16="http://schemas.microsoft.com/office/drawing/2014/main" id="{C3D6FBDE-C0C3-4E49-B9C5-835672D6A004}"/>
+          <p:cNvPr id="8" name="Picture 7">
+            <a:extLst>
+              <a:ext uri="{FF2B5EF4-FFF2-40B4-BE49-F238E27FC236}">
+                <a16:creationId xmlns:a16="http://schemas.microsoft.com/office/drawing/2014/main" id="{562FD60D-15B0-4221-AF73-EC983CDB767E}"/>
               </a:ext>
             </a:extLst>
           </p:cNvPr>
@@ -3494,32 +4350,177 @@
         </p:blipFill>
         <p:spPr>
           <a:xfrm>
-            <a:off x="4777046" y="1236763"/>
-            <a:ext cx="4267200" cy="1333500"/>
+            <a:off x="292116" y="801772"/>
+            <a:ext cx="2466975" cy="904875"/>
           </a:xfrm>
           <a:prstGeom prst="rect">
             <a:avLst/>
           </a:prstGeom>
+          <a:ln>
+            <a:solidFill>
+              <a:schemeClr val="accent1"/>
+            </a:solidFill>
+          </a:ln>
         </p:spPr>
       </p:pic>
-      <p:sp>
-        <p:nvSpPr>
-          <p:cNvPr id="7" name="TextBox 6">
-            <a:extLst>
-              <a:ext uri="{FF2B5EF4-FFF2-40B4-BE49-F238E27FC236}">
-                <a16:creationId xmlns:a16="http://schemas.microsoft.com/office/drawing/2014/main" id="{903B59C5-7D8A-4120-9EC1-26BF269D72FC}"/>
-              </a:ext>
-            </a:extLst>
-          </p:cNvPr>
-          <p:cNvSpPr txBox="1"/>
+      <p:pic>
+        <p:nvPicPr>
+          <p:cNvPr id="9" name="Picture 8">
+            <a:extLst>
+              <a:ext uri="{FF2B5EF4-FFF2-40B4-BE49-F238E27FC236}">
+                <a16:creationId xmlns:a16="http://schemas.microsoft.com/office/drawing/2014/main" id="{ACAD47A8-D35E-42D6-90F6-62D451B04109}"/>
+              </a:ext>
+            </a:extLst>
+          </p:cNvPr>
+          <p:cNvPicPr>
+            <a:picLocks noChangeAspect="1"/>
+          </p:cNvPicPr>
           <p:nvPr/>
-        </p:nvSpPr>
+        </p:nvPicPr>
+        <p:blipFill>
+          <a:blip r:embed="rId4"/>
+          <a:stretch>
+            <a:fillRect/>
+          </a:stretch>
+        </p:blipFill>
         <p:spPr>
           <a:xfrm>
-            <a:off x="1143000" y="4941277"/>
-            <a:ext cx="2592376" cy="523220"/>
+            <a:off x="292116" y="2180104"/>
+            <a:ext cx="2419350" cy="866775"/>
           </a:xfrm>
           <a:prstGeom prst="rect">
+            <a:avLst/>
+          </a:prstGeom>
+          <a:ln>
+            <a:solidFill>
+              <a:schemeClr val="accent1"/>
+            </a:solidFill>
+          </a:ln>
+        </p:spPr>
+      </p:pic>
+      <p:pic>
+        <p:nvPicPr>
+          <p:cNvPr id="10" name="Picture 9">
+            <a:extLst>
+              <a:ext uri="{FF2B5EF4-FFF2-40B4-BE49-F238E27FC236}">
+                <a16:creationId xmlns:a16="http://schemas.microsoft.com/office/drawing/2014/main" id="{138FA08D-FD09-4765-938D-16C79A10752D}"/>
+              </a:ext>
+            </a:extLst>
+          </p:cNvPr>
+          <p:cNvPicPr>
+            <a:picLocks noChangeAspect="1"/>
+          </p:cNvPicPr>
+          <p:nvPr/>
+        </p:nvPicPr>
+        <p:blipFill>
+          <a:blip r:embed="rId5"/>
+          <a:stretch>
+            <a:fillRect/>
+          </a:stretch>
+        </p:blipFill>
+        <p:spPr>
+          <a:xfrm>
+            <a:off x="3673176" y="1999639"/>
+            <a:ext cx="1909890" cy="1262042"/>
+          </a:xfrm>
+          <a:prstGeom prst="rect">
+            <a:avLst/>
+          </a:prstGeom>
+          <a:ln>
+            <a:solidFill>
+              <a:schemeClr val="accent1"/>
+            </a:solidFill>
+          </a:ln>
+        </p:spPr>
+      </p:pic>
+      <p:pic>
+        <p:nvPicPr>
+          <p:cNvPr id="11" name="Picture 10">
+            <a:extLst>
+              <a:ext uri="{FF2B5EF4-FFF2-40B4-BE49-F238E27FC236}">
+                <a16:creationId xmlns:a16="http://schemas.microsoft.com/office/drawing/2014/main" id="{F9F963A6-A051-4A36-AEF0-8AB53642D572}"/>
+              </a:ext>
+            </a:extLst>
+          </p:cNvPr>
+          <p:cNvPicPr>
+            <a:picLocks noChangeAspect="1"/>
+          </p:cNvPicPr>
+          <p:nvPr/>
+        </p:nvPicPr>
+        <p:blipFill>
+          <a:blip r:embed="rId6"/>
+          <a:stretch>
+            <a:fillRect/>
+          </a:stretch>
+        </p:blipFill>
+        <p:spPr>
+          <a:xfrm>
+            <a:off x="292116" y="3542232"/>
+            <a:ext cx="2695575" cy="1047750"/>
+          </a:xfrm>
+          <a:prstGeom prst="rect">
+            <a:avLst/>
+          </a:prstGeom>
+          <a:ln>
+            <a:solidFill>
+              <a:schemeClr val="accent1"/>
+            </a:solidFill>
+          </a:ln>
+        </p:spPr>
+      </p:pic>
+      <p:pic>
+        <p:nvPicPr>
+          <p:cNvPr id="12" name="Picture 11">
+            <a:extLst>
+              <a:ext uri="{FF2B5EF4-FFF2-40B4-BE49-F238E27FC236}">
+                <a16:creationId xmlns:a16="http://schemas.microsoft.com/office/drawing/2014/main" id="{5045F756-D9D8-495F-A175-6A32A5228553}"/>
+              </a:ext>
+            </a:extLst>
+          </p:cNvPr>
+          <p:cNvPicPr>
+            <a:picLocks noChangeAspect="1"/>
+          </p:cNvPicPr>
+          <p:nvPr/>
+        </p:nvPicPr>
+        <p:blipFill>
+          <a:blip r:embed="rId7"/>
+          <a:stretch>
+            <a:fillRect/>
+          </a:stretch>
+        </p:blipFill>
+        <p:spPr>
+          <a:xfrm>
+            <a:off x="3673176" y="3542232"/>
+            <a:ext cx="3257550" cy="771525"/>
+          </a:xfrm>
+          <a:prstGeom prst="rect">
+            <a:avLst/>
+          </a:prstGeom>
+          <a:ln>
+            <a:solidFill>
+              <a:schemeClr val="accent1"/>
+            </a:solidFill>
+          </a:ln>
+        </p:spPr>
+      </p:pic>
+      <p:sp>
+        <p:nvSpPr>
+          <p:cNvPr id="13" name="Arrow: Chevron 12">
+            <a:extLst>
+              <a:ext uri="{FF2B5EF4-FFF2-40B4-BE49-F238E27FC236}">
+                <a16:creationId xmlns:a16="http://schemas.microsoft.com/office/drawing/2014/main" id="{1F488669-EF08-47A0-9CA8-F1C8DD4FD624}"/>
+              </a:ext>
+            </a:extLst>
+          </p:cNvPr>
+          <p:cNvSpPr/>
+          <p:nvPr/>
+        </p:nvSpPr>
+        <p:spPr>
+          <a:xfrm>
+            <a:off x="2987691" y="1019113"/>
+            <a:ext cx="484632" cy="484632"/>
+          </a:xfrm>
+          <a:prstGeom prst="chevron">
             <a:avLst/>
           </a:prstGeom>
         </p:spPr>
@@ -3540,18 +4541,170 @@
           </a:fontRef>
         </p:style>
         <p:txBody>
+          <a:bodyPr rtlCol="0" anchor="ctr"/>
+          <a:lstStyle/>
+          <a:p>
+            <a:pPr algn="ctr"/>
+            <a:endParaRPr lang="th-TH">
+              <a:solidFill>
+                <a:schemeClr val="tx1"/>
+              </a:solidFill>
+            </a:endParaRPr>
+          </a:p>
+        </p:txBody>
+      </p:sp>
+      <p:sp>
+        <p:nvSpPr>
+          <p:cNvPr id="14" name="Arrow: Chevron 13">
+            <a:extLst>
+              <a:ext uri="{FF2B5EF4-FFF2-40B4-BE49-F238E27FC236}">
+                <a16:creationId xmlns:a16="http://schemas.microsoft.com/office/drawing/2014/main" id="{7D2D7A52-0864-43B1-A1D3-72CF8B39CFAF}"/>
+              </a:ext>
+            </a:extLst>
+          </p:cNvPr>
+          <p:cNvSpPr/>
+          <p:nvPr/>
+        </p:nvSpPr>
+        <p:spPr>
+          <a:xfrm>
+            <a:off x="2950005" y="2371175"/>
+            <a:ext cx="484632" cy="484632"/>
+          </a:xfrm>
+          <a:prstGeom prst="chevron">
+            <a:avLst/>
+          </a:prstGeom>
+        </p:spPr>
+        <p:style>
+          <a:lnRef idx="2">
+            <a:schemeClr val="accent1">
+              <a:shade val="50000"/>
+            </a:schemeClr>
+          </a:lnRef>
+          <a:fillRef idx="1">
+            <a:schemeClr val="accent1"/>
+          </a:fillRef>
+          <a:effectRef idx="0">
+            <a:schemeClr val="accent1"/>
+          </a:effectRef>
+          <a:fontRef idx="minor">
+            <a:schemeClr val="lt1"/>
+          </a:fontRef>
+        </p:style>
+        <p:txBody>
+          <a:bodyPr rtlCol="0" anchor="ctr"/>
+          <a:lstStyle/>
+          <a:p>
+            <a:pPr algn="ctr"/>
+            <a:endParaRPr lang="th-TH">
+              <a:solidFill>
+                <a:schemeClr val="tx1"/>
+              </a:solidFill>
+            </a:endParaRPr>
+          </a:p>
+        </p:txBody>
+      </p:sp>
+      <p:sp>
+        <p:nvSpPr>
+          <p:cNvPr id="15" name="Arrow: Chevron 14">
+            <a:extLst>
+              <a:ext uri="{FF2B5EF4-FFF2-40B4-BE49-F238E27FC236}">
+                <a16:creationId xmlns:a16="http://schemas.microsoft.com/office/drawing/2014/main" id="{2B261434-8241-48D0-BEE3-E8669D117CC0}"/>
+              </a:ext>
+            </a:extLst>
+          </p:cNvPr>
+          <p:cNvSpPr/>
+          <p:nvPr/>
+        </p:nvSpPr>
+        <p:spPr>
+          <a:xfrm>
+            <a:off x="3088117" y="3686231"/>
+            <a:ext cx="484632" cy="484632"/>
+          </a:xfrm>
+          <a:prstGeom prst="chevron">
+            <a:avLst/>
+          </a:prstGeom>
+        </p:spPr>
+        <p:style>
+          <a:lnRef idx="2">
+            <a:schemeClr val="accent1">
+              <a:shade val="50000"/>
+            </a:schemeClr>
+          </a:lnRef>
+          <a:fillRef idx="1">
+            <a:schemeClr val="accent1"/>
+          </a:fillRef>
+          <a:effectRef idx="0">
+            <a:schemeClr val="accent1"/>
+          </a:effectRef>
+          <a:fontRef idx="minor">
+            <a:schemeClr val="lt1"/>
+          </a:fontRef>
+        </p:style>
+        <p:txBody>
+          <a:bodyPr rtlCol="0" anchor="ctr"/>
+          <a:lstStyle/>
+          <a:p>
+            <a:pPr algn="ctr"/>
+            <a:endParaRPr lang="th-TH">
+              <a:solidFill>
+                <a:schemeClr val="tx1"/>
+              </a:solidFill>
+            </a:endParaRPr>
+          </a:p>
+        </p:txBody>
+      </p:sp>
+      <p:sp>
+        <p:nvSpPr>
+          <p:cNvPr id="16" name="TextBox 15">
+            <a:extLst>
+              <a:ext uri="{FF2B5EF4-FFF2-40B4-BE49-F238E27FC236}">
+                <a16:creationId xmlns:a16="http://schemas.microsoft.com/office/drawing/2014/main" id="{C95E5965-9E12-4987-95FD-B7A750F4C665}"/>
+              </a:ext>
+            </a:extLst>
+          </p:cNvPr>
+          <p:cNvSpPr txBox="1"/>
+          <p:nvPr/>
+        </p:nvSpPr>
+        <p:spPr>
+          <a:xfrm>
+            <a:off x="7089884" y="828442"/>
+            <a:ext cx="4228850" cy="523220"/>
+          </a:xfrm>
+          <a:prstGeom prst="rect">
+            <a:avLst/>
+          </a:prstGeom>
+          <a:solidFill>
+            <a:schemeClr val="accent2">
+              <a:alpha val="50000"/>
+            </a:schemeClr>
+          </a:solidFill>
+          <a:ln>
+            <a:noFill/>
+          </a:ln>
+        </p:spPr>
+        <p:style>
+          <a:lnRef idx="0">
+            <a:scrgbClr r="0" g="0" b="0"/>
+          </a:lnRef>
+          <a:fillRef idx="0">
+            <a:scrgbClr r="0" g="0" b="0"/>
+          </a:fillRef>
+          <a:effectRef idx="0">
+            <a:scrgbClr r="0" g="0" b="0"/>
+          </a:effectRef>
+          <a:fontRef idx="minor">
+            <a:schemeClr val="lt1"/>
+          </a:fontRef>
+        </p:style>
+        <p:txBody>
           <a:bodyPr wrap="none" rtlCol="0">
             <a:spAutoFit/>
           </a:bodyPr>
           <a:lstStyle/>
           <a:p>
             <a:r>
-              <a:rPr lang="th-TH" dirty="0"/>
-              <a:t>ดู วีดีโอ 3 ถึง </a:t>
-            </a:r>
-            <a:r>
               <a:rPr lang="en-US" dirty="0"/>
-              <a:t>1:19:27</a:t>
+              <a:t>ROLE_CODE = MENU_CODE</a:t>
             </a:r>
             <a:endParaRPr lang="th-TH" dirty="0"/>
           </a:p>
@@ -3560,7 +4713,232 @@
     </p:spTree>
     <p:extLst>
       <p:ext uri="{BB962C8B-B14F-4D97-AF65-F5344CB8AC3E}">
-        <p14:creationId xmlns:p14="http://schemas.microsoft.com/office/powerpoint/2010/main" val="441383115"/>
+        <p14:creationId xmlns:p14="http://schemas.microsoft.com/office/powerpoint/2010/main" val="3162794357"/>
+      </p:ext>
+    </p:extLst>
+  </p:cSld>
+  <p:clrMapOvr>
+    <a:masterClrMapping/>
+  </p:clrMapOvr>
+</p:sld>
+</file>
+
+<file path=ppt/slides/slide3.xml><?xml version="1.0" encoding="utf-8"?>
+<p:sld xmlns:a="http://schemas.openxmlformats.org/drawingml/2006/main" xmlns:r="http://schemas.openxmlformats.org/officeDocument/2006/relationships" xmlns:p="http://schemas.openxmlformats.org/presentationml/2006/main">
+  <p:cSld>
+    <p:spTree>
+      <p:nvGrpSpPr>
+        <p:cNvPr id="1" name=""/>
+        <p:cNvGrpSpPr/>
+        <p:nvPr/>
+      </p:nvGrpSpPr>
+      <p:grpSpPr>
+        <a:xfrm>
+          <a:off x="0" y="0"/>
+          <a:ext cx="0" cy="0"/>
+          <a:chOff x="0" y="0"/>
+          <a:chExt cx="0" cy="0"/>
+        </a:xfrm>
+      </p:grpSpPr>
+      <p:sp>
+        <p:nvSpPr>
+          <p:cNvPr id="2" name="Title 1">
+            <a:extLst>
+              <a:ext uri="{FF2B5EF4-FFF2-40B4-BE49-F238E27FC236}">
+                <a16:creationId xmlns:a16="http://schemas.microsoft.com/office/drawing/2014/main" id="{F3C1B1EA-FC7E-4911-9A34-AE2367A4676C}"/>
+              </a:ext>
+            </a:extLst>
+          </p:cNvPr>
+          <p:cNvSpPr>
+            <a:spLocks noGrp="1"/>
+          </p:cNvSpPr>
+          <p:nvPr>
+            <p:ph type="ctrTitle"/>
+          </p:nvPr>
+        </p:nvSpPr>
+        <p:spPr>
+          <a:xfrm>
+            <a:off x="0" y="6437313"/>
+            <a:ext cx="12192000" cy="420687"/>
+          </a:xfrm>
+          <a:solidFill>
+            <a:schemeClr val="accent5">
+              <a:alpha val="50000"/>
+            </a:schemeClr>
+          </a:solidFill>
+          <a:ln>
+            <a:noFill/>
+          </a:ln>
+        </p:spPr>
+        <p:style>
+          <a:lnRef idx="0">
+            <a:scrgbClr r="0" g="0" b="0"/>
+          </a:lnRef>
+          <a:fillRef idx="0">
+            <a:scrgbClr r="0" g="0" b="0"/>
+          </a:fillRef>
+          <a:effectRef idx="0">
+            <a:scrgbClr r="0" g="0" b="0"/>
+          </a:effectRef>
+          <a:fontRef idx="minor">
+            <a:schemeClr val="lt1"/>
+          </a:fontRef>
+        </p:style>
+        <p:txBody>
+          <a:bodyPr>
+            <a:normAutofit/>
+          </a:bodyPr>
+          <a:lstStyle/>
+          <a:p>
+            <a:pPr algn="l"/>
+            <a:r>
+              <a:rPr lang="en-US" sz="2000" b="1" dirty="0" err="1"/>
+              <a:t>Project_WK</a:t>
+            </a:r>
+            <a:endParaRPr lang="th-TH" sz="2000" b="1" dirty="0"/>
+          </a:p>
+        </p:txBody>
+      </p:sp>
+      <p:sp>
+        <p:nvSpPr>
+          <p:cNvPr id="3" name="Slide Number Placeholder 2">
+            <a:extLst>
+              <a:ext uri="{FF2B5EF4-FFF2-40B4-BE49-F238E27FC236}">
+                <a16:creationId xmlns:a16="http://schemas.microsoft.com/office/drawing/2014/main" id="{220805BD-87ED-4BE2-AE30-2321773E66C5}"/>
+              </a:ext>
+            </a:extLst>
+          </p:cNvPr>
+          <p:cNvSpPr>
+            <a:spLocks noGrp="1"/>
+          </p:cNvSpPr>
+          <p:nvPr>
+            <p:ph type="sldNum" sz="quarter" idx="12"/>
+          </p:nvPr>
+        </p:nvSpPr>
+        <p:spPr>
+          <a:xfrm>
+            <a:off x="11689492" y="6465093"/>
+            <a:ext cx="397475" cy="365125"/>
+          </a:xfrm>
+        </p:spPr>
+        <p:txBody>
+          <a:bodyPr/>
+          <a:lstStyle/>
+          <a:p>
+            <a:fld id="{83817525-CF77-4F23-9F66-5217B8CC45A0}" type="slidenum">
+              <a:rPr lang="th-TH" sz="2000" b="1" smtClean="0">
+                <a:solidFill>
+                  <a:schemeClr val="bg1"/>
+                </a:solidFill>
+              </a:rPr>
+              <a:t>3</a:t>
+            </a:fld>
+            <a:endParaRPr lang="th-TH" sz="2000" b="1" dirty="0">
+              <a:solidFill>
+                <a:schemeClr val="bg1"/>
+              </a:solidFill>
+            </a:endParaRPr>
+          </a:p>
+        </p:txBody>
+      </p:sp>
+      <p:sp>
+        <p:nvSpPr>
+          <p:cNvPr id="7" name="TextBox 6">
+            <a:extLst>
+              <a:ext uri="{FF2B5EF4-FFF2-40B4-BE49-F238E27FC236}">
+                <a16:creationId xmlns:a16="http://schemas.microsoft.com/office/drawing/2014/main" id="{18302B3F-7E30-4246-B401-7F0F73CA9A53}"/>
+              </a:ext>
+            </a:extLst>
+          </p:cNvPr>
+          <p:cNvSpPr txBox="1"/>
+          <p:nvPr/>
+        </p:nvSpPr>
+        <p:spPr>
+          <a:xfrm>
+            <a:off x="0" y="0"/>
+            <a:ext cx="12192000" cy="523220"/>
+          </a:xfrm>
+          <a:prstGeom prst="rect">
+            <a:avLst/>
+          </a:prstGeom>
+          <a:solidFill>
+            <a:schemeClr val="accent3">
+              <a:alpha val="50000"/>
+            </a:schemeClr>
+          </a:solidFill>
+          <a:ln>
+            <a:noFill/>
+          </a:ln>
+        </p:spPr>
+        <p:style>
+          <a:lnRef idx="0">
+            <a:scrgbClr r="0" g="0" b="0"/>
+          </a:lnRef>
+          <a:fillRef idx="0">
+            <a:scrgbClr r="0" g="0" b="0"/>
+          </a:fillRef>
+          <a:effectRef idx="0">
+            <a:scrgbClr r="0" g="0" b="0"/>
+          </a:effectRef>
+          <a:fontRef idx="minor">
+            <a:schemeClr val="lt1"/>
+          </a:fontRef>
+        </p:style>
+        <p:txBody>
+          <a:bodyPr wrap="square" rtlCol="0">
+            <a:spAutoFit/>
+          </a:bodyPr>
+          <a:lstStyle/>
+          <a:p>
+            <a:pPr algn="ctr"/>
+            <a:r>
+              <a:rPr lang="en-US" dirty="0"/>
+              <a:t>FEATURE OF PROJECT</a:t>
+            </a:r>
+            <a:endParaRPr lang="th-TH" dirty="0"/>
+          </a:p>
+        </p:txBody>
+      </p:sp>
+      <p:sp>
+        <p:nvSpPr>
+          <p:cNvPr id="8" name="TextBox 7">
+            <a:extLst>
+              <a:ext uri="{FF2B5EF4-FFF2-40B4-BE49-F238E27FC236}">
+                <a16:creationId xmlns:a16="http://schemas.microsoft.com/office/drawing/2014/main" id="{7FDBDF50-913A-4202-B96F-8374F31D7B77}"/>
+              </a:ext>
+            </a:extLst>
+          </p:cNvPr>
+          <p:cNvSpPr txBox="1"/>
+          <p:nvPr/>
+        </p:nvSpPr>
+        <p:spPr>
+          <a:xfrm>
+            <a:off x="3962400" y="1186249"/>
+            <a:ext cx="1468800" cy="523220"/>
+          </a:xfrm>
+          <a:prstGeom prst="rect">
+            <a:avLst/>
+          </a:prstGeom>
+          <a:noFill/>
+        </p:spPr>
+        <p:txBody>
+          <a:bodyPr wrap="none" rtlCol="0">
+            <a:spAutoFit/>
+          </a:bodyPr>
+          <a:lstStyle/>
+          <a:p>
+            <a:r>
+              <a:rPr lang="en-US" dirty="0"/>
+              <a:t>1. LOGIN</a:t>
+            </a:r>
+            <a:endParaRPr lang="th-TH" dirty="0"/>
+          </a:p>
+        </p:txBody>
+      </p:sp>
+    </p:spTree>
+    <p:extLst>
+      <p:ext uri="{BB962C8B-B14F-4D97-AF65-F5344CB8AC3E}">
+        <p14:creationId xmlns:p14="http://schemas.microsoft.com/office/powerpoint/2010/main" val="2877973182"/>
       </p:ext>
     </p:extLst>
   </p:cSld>
@@ -3863,4 +5241,299 @@
     </a:ext>
   </a:extLst>
 </a:theme>
+</file>
+
+<file path=ppt/theme/theme2.xml><?xml version="1.0" encoding="utf-8"?>
+<a:theme xmlns:a="http://schemas.openxmlformats.org/drawingml/2006/main" name="Office Theme">
+  <a:themeElements>
+    <a:clrScheme name="Office">
+      <a:dk1>
+        <a:sysClr val="windowText" lastClr="000000"/>
+      </a:dk1>
+      <a:lt1>
+        <a:sysClr val="window" lastClr="FFFFFF"/>
+      </a:lt1>
+      <a:dk2>
+        <a:srgbClr val="44546A"/>
+      </a:dk2>
+      <a:lt2>
+        <a:srgbClr val="E7E6E6"/>
+      </a:lt2>
+      <a:accent1>
+        <a:srgbClr val="4472C4"/>
+      </a:accent1>
+      <a:accent2>
+        <a:srgbClr val="ED7D31"/>
+      </a:accent2>
+      <a:accent3>
+        <a:srgbClr val="A5A5A5"/>
+      </a:accent3>
+      <a:accent4>
+        <a:srgbClr val="FFC000"/>
+      </a:accent4>
+      <a:accent5>
+        <a:srgbClr val="5B9BD5"/>
+      </a:accent5>
+      <a:accent6>
+        <a:srgbClr val="70AD47"/>
+      </a:accent6>
+      <a:hlink>
+        <a:srgbClr val="0563C1"/>
+      </a:hlink>
+      <a:folHlink>
+        <a:srgbClr val="954F72"/>
+      </a:folHlink>
+    </a:clrScheme>
+    <a:fontScheme name="Office">
+      <a:majorFont>
+        <a:latin typeface="Calibri Light" panose="020F0302020204030204"/>
+        <a:ea typeface=""/>
+        <a:cs typeface=""/>
+        <a:font script="Jpan" typeface="游ゴシック Light"/>
+        <a:font script="Hang" typeface="맑은 고딕"/>
+        <a:font script="Hans" typeface="等线 Light"/>
+        <a:font script="Hant" typeface="新細明體"/>
+        <a:font script="Arab" typeface="Times New Roman"/>
+        <a:font script="Hebr" typeface="Times New Roman"/>
+        <a:font script="Thai" typeface="Angsana New"/>
+        <a:font script="Ethi" typeface="Nyala"/>
+        <a:font script="Beng" typeface="Vrinda"/>
+        <a:font script="Gujr" typeface="Shruti"/>
+        <a:font script="Khmr" typeface="MoolBoran"/>
+        <a:font script="Knda" typeface="Tunga"/>
+        <a:font script="Guru" typeface="Raavi"/>
+        <a:font script="Cans" typeface="Euphemia"/>
+        <a:font script="Cher" typeface="Plantagenet Cherokee"/>
+        <a:font script="Yiii" typeface="Microsoft Yi Baiti"/>
+        <a:font script="Tibt" typeface="Microsoft Himalaya"/>
+        <a:font script="Thaa" typeface="MV Boli"/>
+        <a:font script="Deva" typeface="Mangal"/>
+        <a:font script="Telu" typeface="Gautami"/>
+        <a:font script="Taml" typeface="Latha"/>
+        <a:font script="Syrc" typeface="Estrangelo Edessa"/>
+        <a:font script="Orya" typeface="Kalinga"/>
+        <a:font script="Mlym" typeface="Kartika"/>
+        <a:font script="Laoo" typeface="DokChampa"/>
+        <a:font script="Sinh" typeface="Iskoola Pota"/>
+        <a:font script="Mong" typeface="Mongolian Baiti"/>
+        <a:font script="Viet" typeface="Times New Roman"/>
+        <a:font script="Uigh" typeface="Microsoft Uighur"/>
+        <a:font script="Geor" typeface="Sylfaen"/>
+        <a:font script="Armn" typeface="Arial"/>
+        <a:font script="Bugi" typeface="Leelawadee UI"/>
+        <a:font script="Bopo" typeface="Microsoft JhengHei"/>
+        <a:font script="Java" typeface="Javanese Text"/>
+        <a:font script="Lisu" typeface="Segoe UI"/>
+        <a:font script="Mymr" typeface="Myanmar Text"/>
+        <a:font script="Nkoo" typeface="Ebrima"/>
+        <a:font script="Olck" typeface="Nirmala UI"/>
+        <a:font script="Osma" typeface="Ebrima"/>
+        <a:font script="Phag" typeface="Phagspa"/>
+        <a:font script="Syrn" typeface="Estrangelo Edessa"/>
+        <a:font script="Syrj" typeface="Estrangelo Edessa"/>
+        <a:font script="Syre" typeface="Estrangelo Edessa"/>
+        <a:font script="Sora" typeface="Nirmala UI"/>
+        <a:font script="Tale" typeface="Microsoft Tai Le"/>
+        <a:font script="Talu" typeface="Microsoft New Tai Lue"/>
+        <a:font script="Tfng" typeface="Ebrima"/>
+      </a:majorFont>
+      <a:minorFont>
+        <a:latin typeface="Calibri" panose="020F0502020204030204"/>
+        <a:ea typeface=""/>
+        <a:cs typeface=""/>
+        <a:font script="Jpan" typeface="游ゴシック"/>
+        <a:font script="Hang" typeface="맑은 고딕"/>
+        <a:font script="Hans" typeface="等线"/>
+        <a:font script="Hant" typeface="新細明體"/>
+        <a:font script="Arab" typeface="Arial"/>
+        <a:font script="Hebr" typeface="Arial"/>
+        <a:font script="Thai" typeface="Cordia New"/>
+        <a:font script="Ethi" typeface="Nyala"/>
+        <a:font script="Beng" typeface="Vrinda"/>
+        <a:font script="Gujr" typeface="Shruti"/>
+        <a:font script="Khmr" typeface="DaunPenh"/>
+        <a:font script="Knda" typeface="Tunga"/>
+        <a:font script="Guru" typeface="Raavi"/>
+        <a:font script="Cans" typeface="Euphemia"/>
+        <a:font script="Cher" typeface="Plantagenet Cherokee"/>
+        <a:font script="Yiii" typeface="Microsoft Yi Baiti"/>
+        <a:font script="Tibt" typeface="Microsoft Himalaya"/>
+        <a:font script="Thaa" typeface="MV Boli"/>
+        <a:font script="Deva" typeface="Mangal"/>
+        <a:font script="Telu" typeface="Gautami"/>
+        <a:font script="Taml" typeface="Latha"/>
+        <a:font script="Syrc" typeface="Estrangelo Edessa"/>
+        <a:font script="Orya" typeface="Kalinga"/>
+        <a:font script="Mlym" typeface="Kartika"/>
+        <a:font script="Laoo" typeface="DokChampa"/>
+        <a:font script="Sinh" typeface="Iskoola Pota"/>
+        <a:font script="Mong" typeface="Mongolian Baiti"/>
+        <a:font script="Viet" typeface="Arial"/>
+        <a:font script="Uigh" typeface="Microsoft Uighur"/>
+        <a:font script="Geor" typeface="Sylfaen"/>
+        <a:font script="Armn" typeface="Arial"/>
+        <a:font script="Bugi" typeface="Leelawadee UI"/>
+        <a:font script="Bopo" typeface="Microsoft JhengHei"/>
+        <a:font script="Java" typeface="Javanese Text"/>
+        <a:font script="Lisu" typeface="Segoe UI"/>
+        <a:font script="Mymr" typeface="Myanmar Text"/>
+        <a:font script="Nkoo" typeface="Ebrima"/>
+        <a:font script="Olck" typeface="Nirmala UI"/>
+        <a:font script="Osma" typeface="Ebrima"/>
+        <a:font script="Phag" typeface="Phagspa"/>
+        <a:font script="Syrn" typeface="Estrangelo Edessa"/>
+        <a:font script="Syrj" typeface="Estrangelo Edessa"/>
+        <a:font script="Syre" typeface="Estrangelo Edessa"/>
+        <a:font script="Sora" typeface="Nirmala UI"/>
+        <a:font script="Tale" typeface="Microsoft Tai Le"/>
+        <a:font script="Talu" typeface="Microsoft New Tai Lue"/>
+        <a:font script="Tfng" typeface="Ebrima"/>
+      </a:minorFont>
+    </a:fontScheme>
+    <a:fmtScheme name="Office">
+      <a:fillStyleLst>
+        <a:solidFill>
+          <a:schemeClr val="phClr"/>
+        </a:solidFill>
+        <a:gradFill rotWithShape="1">
+          <a:gsLst>
+            <a:gs pos="0">
+              <a:schemeClr val="phClr">
+                <a:lumMod val="110000"/>
+                <a:satMod val="105000"/>
+                <a:tint val="67000"/>
+              </a:schemeClr>
+            </a:gs>
+            <a:gs pos="50000">
+              <a:schemeClr val="phClr">
+                <a:lumMod val="105000"/>
+                <a:satMod val="103000"/>
+                <a:tint val="73000"/>
+              </a:schemeClr>
+            </a:gs>
+            <a:gs pos="100000">
+              <a:schemeClr val="phClr">
+                <a:lumMod val="105000"/>
+                <a:satMod val="109000"/>
+                <a:tint val="81000"/>
+              </a:schemeClr>
+            </a:gs>
+          </a:gsLst>
+          <a:lin ang="5400000" scaled="0"/>
+        </a:gradFill>
+        <a:gradFill rotWithShape="1">
+          <a:gsLst>
+            <a:gs pos="0">
+              <a:schemeClr val="phClr">
+                <a:satMod val="103000"/>
+                <a:lumMod val="102000"/>
+                <a:tint val="94000"/>
+              </a:schemeClr>
+            </a:gs>
+            <a:gs pos="50000">
+              <a:schemeClr val="phClr">
+                <a:satMod val="110000"/>
+                <a:lumMod val="100000"/>
+                <a:shade val="100000"/>
+              </a:schemeClr>
+            </a:gs>
+            <a:gs pos="100000">
+              <a:schemeClr val="phClr">
+                <a:lumMod val="99000"/>
+                <a:satMod val="120000"/>
+                <a:shade val="78000"/>
+              </a:schemeClr>
+            </a:gs>
+          </a:gsLst>
+          <a:lin ang="5400000" scaled="0"/>
+        </a:gradFill>
+      </a:fillStyleLst>
+      <a:lnStyleLst>
+        <a:ln w="6350" cap="flat" cmpd="sng" algn="ctr">
+          <a:solidFill>
+            <a:schemeClr val="phClr"/>
+          </a:solidFill>
+          <a:prstDash val="solid"/>
+          <a:miter lim="800000"/>
+        </a:ln>
+        <a:ln w="12700" cap="flat" cmpd="sng" algn="ctr">
+          <a:solidFill>
+            <a:schemeClr val="phClr"/>
+          </a:solidFill>
+          <a:prstDash val="solid"/>
+          <a:miter lim="800000"/>
+        </a:ln>
+        <a:ln w="19050" cap="flat" cmpd="sng" algn="ctr">
+          <a:solidFill>
+            <a:schemeClr val="phClr"/>
+          </a:solidFill>
+          <a:prstDash val="solid"/>
+          <a:miter lim="800000"/>
+        </a:ln>
+      </a:lnStyleLst>
+      <a:effectStyleLst>
+        <a:effectStyle>
+          <a:effectLst/>
+        </a:effectStyle>
+        <a:effectStyle>
+          <a:effectLst/>
+        </a:effectStyle>
+        <a:effectStyle>
+          <a:effectLst>
+            <a:outerShdw blurRad="57150" dist="19050" dir="5400000" algn="ctr" rotWithShape="0">
+              <a:srgbClr val="000000">
+                <a:alpha val="63000"/>
+              </a:srgbClr>
+            </a:outerShdw>
+          </a:effectLst>
+        </a:effectStyle>
+      </a:effectStyleLst>
+      <a:bgFillStyleLst>
+        <a:solidFill>
+          <a:schemeClr val="phClr"/>
+        </a:solidFill>
+        <a:solidFill>
+          <a:schemeClr val="phClr">
+            <a:tint val="95000"/>
+            <a:satMod val="170000"/>
+          </a:schemeClr>
+        </a:solidFill>
+        <a:gradFill rotWithShape="1">
+          <a:gsLst>
+            <a:gs pos="0">
+              <a:schemeClr val="phClr">
+                <a:tint val="93000"/>
+                <a:satMod val="150000"/>
+                <a:shade val="98000"/>
+                <a:lumMod val="102000"/>
+              </a:schemeClr>
+            </a:gs>
+            <a:gs pos="50000">
+              <a:schemeClr val="phClr">
+                <a:tint val="98000"/>
+                <a:satMod val="130000"/>
+                <a:shade val="90000"/>
+                <a:lumMod val="103000"/>
+              </a:schemeClr>
+            </a:gs>
+            <a:gs pos="100000">
+              <a:schemeClr val="phClr">
+                <a:shade val="63000"/>
+                <a:satMod val="120000"/>
+              </a:schemeClr>
+            </a:gs>
+          </a:gsLst>
+          <a:lin ang="5400000" scaled="0"/>
+        </a:gradFill>
+      </a:bgFillStyleLst>
+    </a:fmtScheme>
+  </a:themeElements>
+  <a:objectDefaults/>
+  <a:extraClrSchemeLst/>
+  <a:extLst>
+    <a:ext uri="{05A4C25C-085E-4340-85A3-A5531E510DB2}">
+      <thm15:themeFamily xmlns:thm15="http://schemas.microsoft.com/office/thememl/2012/main" name="Office Theme" id="{62F939B6-93AF-4DB8-9C6B-D6C7DFDC589F}" vid="{4A3C46E8-61CC-4603-A589-7422A47A8E4A}"/>
+    </a:ext>
+  </a:extLst>
+</a:theme>
 </file>